--- a/Learn-Typescript/Test-Case-Mterics-PPT.pptx
+++ b/Learn-Typescript/Test-Case-Mterics-PPT.pptx
@@ -4077,12 +4077,81 @@
           </a:p>
         </p:txBody>
       </p:sp>
+      <p:sp>
+        <p:nvSpPr>
+          <p:cNvPr id="4" name="Title 1">
+            <a:extLst>
+              <a:ext uri="{FF2B5EF4-FFF2-40B4-BE49-F238E27FC236}">
+                <a16:creationId xmlns:a16="http://schemas.microsoft.com/office/drawing/2014/main" id="{BD3EB35B-E315-5CC2-5040-582B4E54F44D}"/>
+              </a:ext>
+            </a:extLst>
+          </p:cNvPr>
+          <p:cNvSpPr txBox="1">
+            <a:spLocks/>
+          </p:cNvSpPr>
+          <p:nvPr/>
+        </p:nvSpPr>
+        <p:spPr>
+          <a:xfrm>
+            <a:off x="838200" y="365125"/>
+            <a:ext cx="10515600" cy="1325563"/>
+          </a:xfrm>
+          <a:prstGeom prst="rect">
+            <a:avLst/>
+          </a:prstGeom>
+        </p:spPr>
+        <p:txBody>
+          <a:bodyPr vert="horz" lIns="91440" tIns="45720" rIns="91440" bIns="45720" rtlCol="0" anchor="b">
+            <a:normAutofit fontScale="75000" lnSpcReduction="20000"/>
+          </a:bodyPr>
+          <a:lstStyle>
+            <a:lvl1pPr algn="ctr" defTabSz="914400" rtl="0" eaLnBrk="1" latinLnBrk="0" hangingPunct="1">
+              <a:lnSpc>
+                <a:spcPct val="90000"/>
+              </a:lnSpc>
+              <a:spcBef>
+                <a:spcPct val="0"/>
+              </a:spcBef>
+              <a:buNone/>
+              <a:defRPr sz="6000" kern="1200">
+                <a:solidFill>
+                  <a:schemeClr val="tx1"/>
+                </a:solidFill>
+                <a:latin typeface="+mj-lt"/>
+                <a:ea typeface="+mj-ea"/>
+                <a:cs typeface="+mj-cs"/>
+              </a:defRPr>
+            </a:lvl1pPr>
+          </a:lstStyle>
+          <a:p>
+            <a:r>
+              <a:rPr lang="en-US" dirty="0"/>
+              <a:t>Daily Test Case Details</a:t>
+            </a:r>
+            <a:br>
+              <a:rPr lang="en-US" dirty="0"/>
+            </a:br>
+            <a:endParaRPr lang="en-US" dirty="0"/>
+          </a:p>
+          <a:p>
+            <a:r>
+              <a:rPr lang="en-US" sz="2000" b="1" dirty="0">
+                <a:latin typeface="Oxygen" panose="02000503000000000000" pitchFamily="2" charset="0"/>
+              </a:rPr>
+              <a:t>Date : 07-03-2025</a:t>
+            </a:r>
+            <a:endParaRPr lang="en-IN" sz="2000" b="1" dirty="0">
+              <a:latin typeface="Oxygen" panose="02000503000000000000" pitchFamily="2" charset="0"/>
+            </a:endParaRPr>
+          </a:p>
+        </p:txBody>
+      </p:sp>
       <p:pic>
         <p:nvPicPr>
-          <p:cNvPr id="5" name="Picture 4">
-            <a:extLst>
-              <a:ext uri="{FF2B5EF4-FFF2-40B4-BE49-F238E27FC236}">
-                <a16:creationId xmlns:a16="http://schemas.microsoft.com/office/drawing/2014/main" id="{6963C7BD-E32A-07E3-6399-100427BF305A}"/>
+          <p:cNvPr id="7" name="Picture 6">
+            <a:extLst>
+              <a:ext uri="{FF2B5EF4-FFF2-40B4-BE49-F238E27FC236}">
+                <a16:creationId xmlns:a16="http://schemas.microsoft.com/office/drawing/2014/main" id="{562B2DC7-C395-FB76-BA7D-EDBBAA0B0F05}"/>
               </a:ext>
             </a:extLst>
           </p:cNvPr>
@@ -4099,83 +4168,14 @@
         </p:blipFill>
         <p:spPr>
           <a:xfrm>
-            <a:off x="153976" y="2235199"/>
-            <a:ext cx="11884048" cy="2387601"/>
+            <a:off x="670755" y="2009322"/>
+            <a:ext cx="10850489" cy="3248478"/>
           </a:xfrm>
           <a:prstGeom prst="rect">
             <a:avLst/>
           </a:prstGeom>
         </p:spPr>
       </p:pic>
-      <p:sp>
-        <p:nvSpPr>
-          <p:cNvPr id="4" name="Title 1">
-            <a:extLst>
-              <a:ext uri="{FF2B5EF4-FFF2-40B4-BE49-F238E27FC236}">
-                <a16:creationId xmlns:a16="http://schemas.microsoft.com/office/drawing/2014/main" id="{BD3EB35B-E315-5CC2-5040-582B4E54F44D}"/>
-              </a:ext>
-            </a:extLst>
-          </p:cNvPr>
-          <p:cNvSpPr txBox="1">
-            <a:spLocks/>
-          </p:cNvSpPr>
-          <p:nvPr/>
-        </p:nvSpPr>
-        <p:spPr>
-          <a:xfrm>
-            <a:off x="838200" y="365125"/>
-            <a:ext cx="10515600" cy="1325563"/>
-          </a:xfrm>
-          <a:prstGeom prst="rect">
-            <a:avLst/>
-          </a:prstGeom>
-        </p:spPr>
-        <p:txBody>
-          <a:bodyPr vert="horz" lIns="91440" tIns="45720" rIns="91440" bIns="45720" rtlCol="0" anchor="b">
-            <a:normAutofit fontScale="75000" lnSpcReduction="20000"/>
-          </a:bodyPr>
-          <a:lstStyle>
-            <a:lvl1pPr algn="ctr" defTabSz="914400" rtl="0" eaLnBrk="1" latinLnBrk="0" hangingPunct="1">
-              <a:lnSpc>
-                <a:spcPct val="90000"/>
-              </a:lnSpc>
-              <a:spcBef>
-                <a:spcPct val="0"/>
-              </a:spcBef>
-              <a:buNone/>
-              <a:defRPr sz="6000" kern="1200">
-                <a:solidFill>
-                  <a:schemeClr val="tx1"/>
-                </a:solidFill>
-                <a:latin typeface="+mj-lt"/>
-                <a:ea typeface="+mj-ea"/>
-                <a:cs typeface="+mj-cs"/>
-              </a:defRPr>
-            </a:lvl1pPr>
-          </a:lstStyle>
-          <a:p>
-            <a:r>
-              <a:rPr lang="en-US" dirty="0"/>
-              <a:t>Daily Test Case Details</a:t>
-            </a:r>
-            <a:br>
-              <a:rPr lang="en-US" dirty="0"/>
-            </a:br>
-            <a:endParaRPr lang="en-US" dirty="0"/>
-          </a:p>
-          <a:p>
-            <a:r>
-              <a:rPr lang="en-US" sz="2000" b="1" dirty="0">
-                <a:latin typeface="Oxygen" panose="02000503000000000000" pitchFamily="2" charset="0"/>
-              </a:rPr>
-              <a:t>Date : 07-03-2025</a:t>
-            </a:r>
-            <a:endParaRPr lang="en-IN" sz="2000" b="1" dirty="0">
-              <a:latin typeface="Oxygen" panose="02000503000000000000" pitchFamily="2" charset="0"/>
-            </a:endParaRPr>
-          </a:p>
-        </p:txBody>
-      </p:sp>
     </p:spTree>
     <p:extLst>
       <p:ext uri="{BB962C8B-B14F-4D97-AF65-F5344CB8AC3E}">

--- a/Learn-Typescript/Test-Case-Mterics-PPT.pptx
+++ b/Learn-Typescript/Test-Case-Mterics-PPT.pptx
@@ -5,11 +5,12 @@
     <p:sldMasterId id="2147483648" r:id="rId1"/>
   </p:sldMasterIdLst>
   <p:sldIdLst>
-    <p:sldId id="260" r:id="rId2"/>
-    <p:sldId id="259" r:id="rId3"/>
-    <p:sldId id="258" r:id="rId4"/>
-    <p:sldId id="257" r:id="rId5"/>
-    <p:sldId id="256" r:id="rId6"/>
+    <p:sldId id="261" r:id="rId2"/>
+    <p:sldId id="260" r:id="rId3"/>
+    <p:sldId id="259" r:id="rId4"/>
+    <p:sldId id="258" r:id="rId5"/>
+    <p:sldId id="257" r:id="rId6"/>
+    <p:sldId id="256" r:id="rId7"/>
   </p:sldIdLst>
   <p:sldSz cx="12192000" cy="6858000"/>
   <p:notesSz cx="6858000" cy="9144000"/>
@@ -3356,6 +3357,131 @@
           <p:cNvPr id="2" name="Title 1">
             <a:extLst>
               <a:ext uri="{FF2B5EF4-FFF2-40B4-BE49-F238E27FC236}">
+                <a16:creationId xmlns:a16="http://schemas.microsoft.com/office/drawing/2014/main" id="{9A65453F-28B2-9379-8C2E-A31885534138}"/>
+              </a:ext>
+            </a:extLst>
+          </p:cNvPr>
+          <p:cNvSpPr>
+            <a:spLocks noGrp="1"/>
+          </p:cNvSpPr>
+          <p:nvPr>
+            <p:ph type="title"/>
+          </p:nvPr>
+        </p:nvSpPr>
+        <p:spPr/>
+        <p:txBody>
+          <a:bodyPr/>
+          <a:lstStyle/>
+          <a:p>
+            <a:r>
+              <a:rPr lang="en-IN" dirty="0"/>
+              <a:t>         </a:t>
+            </a:r>
+            <a:r>
+              <a:rPr lang="en-IN" dirty="0">
+                <a:latin typeface="Oxygen" panose="02000503000000000000" pitchFamily="2" charset="0"/>
+              </a:rPr>
+              <a:t>Automation Test Cases Report</a:t>
+            </a:r>
+          </a:p>
+        </p:txBody>
+      </p:sp>
+      <p:sp>
+        <p:nvSpPr>
+          <p:cNvPr id="5" name="Content Placeholder 4">
+            <a:extLst>
+              <a:ext uri="{FF2B5EF4-FFF2-40B4-BE49-F238E27FC236}">
+                <a16:creationId xmlns:a16="http://schemas.microsoft.com/office/drawing/2014/main" id="{DACF8391-FF6B-AE66-4D6B-0E76E0772C81}"/>
+              </a:ext>
+            </a:extLst>
+          </p:cNvPr>
+          <p:cNvSpPr>
+            <a:spLocks noGrp="1"/>
+          </p:cNvSpPr>
+          <p:nvPr>
+            <p:ph idx="1"/>
+          </p:nvPr>
+        </p:nvSpPr>
+        <p:spPr/>
+        <p:txBody>
+          <a:bodyPr/>
+          <a:lstStyle/>
+          <a:p>
+            <a:pPr marL="0" indent="0">
+              <a:buNone/>
+            </a:pPr>
+            <a:r>
+              <a:rPr lang="en-US" dirty="0"/>
+              <a:t>Daily, Monthly and Yearly Test Cases Report</a:t>
+            </a:r>
+          </a:p>
+          <a:p>
+            <a:pPr marL="0" indent="0">
+              <a:buNone/>
+            </a:pPr>
+            <a:endParaRPr lang="en-IN" dirty="0"/>
+          </a:p>
+          <a:p>
+            <a:pPr marL="0" indent="0">
+              <a:buNone/>
+            </a:pPr>
+            <a:r>
+              <a:rPr lang="en-IN" dirty="0"/>
+              <a:t>Date : 11-03-2025</a:t>
+            </a:r>
+          </a:p>
+          <a:p>
+            <a:pPr marL="0" indent="0">
+              <a:buNone/>
+            </a:pPr>
+            <a:endParaRPr lang="en-IN" dirty="0"/>
+          </a:p>
+          <a:p>
+            <a:pPr marL="0" indent="0">
+              <a:buNone/>
+            </a:pPr>
+            <a:r>
+              <a:rPr lang="en-IN" dirty="0"/>
+              <a:t>Presented By : Debashish Nath</a:t>
+            </a:r>
+          </a:p>
+        </p:txBody>
+      </p:sp>
+    </p:spTree>
+    <p:extLst>
+      <p:ext uri="{BB962C8B-B14F-4D97-AF65-F5344CB8AC3E}">
+        <p14:creationId xmlns:p14="http://schemas.microsoft.com/office/powerpoint/2010/main" val="3208145122"/>
+      </p:ext>
+    </p:extLst>
+  </p:cSld>
+  <p:clrMapOvr>
+    <a:masterClrMapping/>
+  </p:clrMapOvr>
+</p:sld>
+</file>
+
+<file path=ppt/slides/slide2.xml><?xml version="1.0" encoding="utf-8"?>
+<p:sld xmlns:a="http://schemas.openxmlformats.org/drawingml/2006/main" xmlns:r="http://schemas.openxmlformats.org/officeDocument/2006/relationships" xmlns:p="http://schemas.openxmlformats.org/presentationml/2006/main">
+  <p:cSld>
+    <p:spTree>
+      <p:nvGrpSpPr>
+        <p:cNvPr id="1" name=""/>
+        <p:cNvGrpSpPr/>
+        <p:nvPr/>
+      </p:nvGrpSpPr>
+      <p:grpSpPr>
+        <a:xfrm>
+          <a:off x="0" y="0"/>
+          <a:ext cx="0" cy="0"/>
+          <a:chOff x="0" y="0"/>
+          <a:chExt cx="0" cy="0"/>
+        </a:xfrm>
+      </p:grpSpPr>
+      <p:sp>
+        <p:nvSpPr>
+          <p:cNvPr id="2" name="Title 1">
+            <a:extLst>
+              <a:ext uri="{FF2B5EF4-FFF2-40B4-BE49-F238E27FC236}">
                 <a16:creationId xmlns:a16="http://schemas.microsoft.com/office/drawing/2014/main" id="{3E7034F9-904D-2D5C-8C0D-E2293814104D}"/>
               </a:ext>
             </a:extLst>
@@ -3422,7 +3548,7 @@
 </p:sld>
 </file>
 
-<file path=ppt/slides/slide2.xml><?xml version="1.0" encoding="utf-8"?>
+<file path=ppt/slides/slide3.xml><?xml version="1.0" encoding="utf-8"?>
 <p:sld xmlns:a="http://schemas.openxmlformats.org/drawingml/2006/main" xmlns:r="http://schemas.openxmlformats.org/officeDocument/2006/relationships" xmlns:p="http://schemas.openxmlformats.org/presentationml/2006/main">
   <p:cSld>
     <p:spTree>
@@ -3510,7 +3636,7 @@
 </p:sld>
 </file>
 
-<file path=ppt/slides/slide3.xml><?xml version="1.0" encoding="utf-8"?>
+<file path=ppt/slides/slide4.xml><?xml version="1.0" encoding="utf-8"?>
 <p:sld xmlns:a="http://schemas.openxmlformats.org/drawingml/2006/main" xmlns:r="http://schemas.openxmlformats.org/officeDocument/2006/relationships" xmlns:p="http://schemas.openxmlformats.org/presentationml/2006/main">
   <p:cSld>
     <p:spTree>
@@ -3601,7 +3727,7 @@
 </p:sld>
 </file>
 
-<file path=ppt/slides/slide4.xml><?xml version="1.0" encoding="utf-8"?>
+<file path=ppt/slides/slide5.xml><?xml version="1.0" encoding="utf-8"?>
 <p:sld xmlns:a="http://schemas.openxmlformats.org/drawingml/2006/main" xmlns:r="http://schemas.openxmlformats.org/officeDocument/2006/relationships" xmlns:p="http://schemas.openxmlformats.org/presentationml/2006/main">
   <p:cSld>
     <p:spTree>
@@ -3997,7 +4123,7 @@
 </p:sld>
 </file>
 
-<file path=ppt/slides/slide5.xml><?xml version="1.0" encoding="utf-8"?>
+<file path=ppt/slides/slide6.xml><?xml version="1.0" encoding="utf-8"?>
 <p:sld xmlns:a="http://schemas.openxmlformats.org/drawingml/2006/main" xmlns:r="http://schemas.openxmlformats.org/officeDocument/2006/relationships" xmlns:p="http://schemas.openxmlformats.org/presentationml/2006/main">
   <p:cSld>
     <p:spTree>
